--- a/asf-soap-adapter.pptx
+++ b/asf-soap-adapter.pptx
@@ -7,6 +7,9 @@
   <p:notesMasterIdLst>
     <p:notesMasterId r:id="rId3"/>
   </p:notesMasterIdLst>
+  <p:handoutMasterIdLst>
+    <p:handoutMasterId r:id="rId4"/>
+  </p:handoutMasterIdLst>
   <p:sldIdLst>
     <p:sldId id="257" r:id="rId2"/>
   </p:sldIdLst>
@@ -110,6 +113,169 @@
 </p:presentation>
 </file>
 
+<file path=ppt/handoutMasters/handoutMaster1.xml><?xml version="1.0" encoding="utf-8"?>
+<p:handoutMaster xmlns:a="http://schemas.openxmlformats.org/drawingml/2006/main" xmlns:r="http://schemas.openxmlformats.org/officeDocument/2006/relationships" xmlns:mc="http://schemas.openxmlformats.org/markup-compatibility/2006" xmlns:mv="urn:schemas-microsoft-com:mac:vml" xmlns:p="http://schemas.openxmlformats.org/presentationml/2006/main" mc:Ignorable="mv" mc:PreserveAttributes="mv:*">
+  <p:cSld>
+    <p:bg>
+      <p:bgRef idx="1001">
+        <a:schemeClr val="bg1"/>
+      </p:bgRef>
+    </p:bg>
+    <p:spTree>
+      <p:nvGrpSpPr>
+        <p:cNvPr id="1" name=""/>
+        <p:cNvGrpSpPr/>
+        <p:nvPr/>
+      </p:nvGrpSpPr>
+      <p:grpSpPr>
+        <a:xfrm>
+          <a:off x="0" y="0"/>
+          <a:ext cx="0" cy="0"/>
+          <a:chOff x="0" y="0"/>
+          <a:chExt cx="0" cy="0"/>
+        </a:xfrm>
+      </p:grpSpPr>
+      <p:sp>
+        <p:nvSpPr>
+          <p:cNvPr id="2" name="Header Placeholder 1"/>
+          <p:cNvSpPr>
+            <a:spLocks noGrp="1"/>
+          </p:cNvSpPr>
+          <p:nvPr>
+            <p:ph type="hdr" sz="quarter"/>
+          </p:nvPr>
+        </p:nvSpPr>
+        <p:spPr>
+          <a:xfrm>
+            <a:off x="0" y="0"/>
+            <a:ext cx="2971800" cy="457200"/>
+          </a:xfrm>
+          <a:prstGeom prst="rect">
+            <a:avLst/>
+          </a:prstGeom>
+        </p:spPr>
+        <p:txBody>
+          <a:bodyPr vert="horz" lIns="91440" tIns="45720" rIns="91440" bIns="45720" rtlCol="0"/>
+          <a:lstStyle>
+            <a:lvl1pPr algn="l">
+              <a:defRPr sz="1200"/>
+            </a:lvl1pPr>
+          </a:lstStyle>
+          <a:p>
+            <a:endParaRPr lang="en-US"/>
+          </a:p>
+        </p:txBody>
+      </p:sp>
+      <p:sp>
+        <p:nvSpPr>
+          <p:cNvPr id="3" name="Date Placeholder 2"/>
+          <p:cNvSpPr>
+            <a:spLocks noGrp="1"/>
+          </p:cNvSpPr>
+          <p:nvPr>
+            <p:ph type="dt" sz="quarter" idx="1"/>
+          </p:nvPr>
+        </p:nvSpPr>
+        <p:spPr>
+          <a:xfrm>
+            <a:off x="3884613" y="0"/>
+            <a:ext cx="2971800" cy="457200"/>
+          </a:xfrm>
+          <a:prstGeom prst="rect">
+            <a:avLst/>
+          </a:prstGeom>
+        </p:spPr>
+        <p:txBody>
+          <a:bodyPr vert="horz" lIns="91440" tIns="45720" rIns="91440" bIns="45720" rtlCol="0"/>
+          <a:lstStyle>
+            <a:lvl1pPr algn="r">
+              <a:defRPr sz="1200"/>
+            </a:lvl1pPr>
+          </a:lstStyle>
+          <a:p>
+            <a:fld id="{47742F48-9D0E-8942-B06F-AC4AE52748CA}" type="datetimeFigureOut">
+              <a:rPr lang="en-US" smtClean="0"/>
+              <a:pPr/>
+              <a:t>11/13/10</a:t>
+            </a:fld>
+            <a:endParaRPr lang="en-US"/>
+          </a:p>
+        </p:txBody>
+      </p:sp>
+      <p:sp>
+        <p:nvSpPr>
+          <p:cNvPr id="4" name="Footer Placeholder 3"/>
+          <p:cNvSpPr>
+            <a:spLocks noGrp="1"/>
+          </p:cNvSpPr>
+          <p:nvPr>
+            <p:ph type="ftr" sz="quarter" idx="2"/>
+          </p:nvPr>
+        </p:nvSpPr>
+        <p:spPr>
+          <a:xfrm>
+            <a:off x="0" y="8685213"/>
+            <a:ext cx="2971800" cy="457200"/>
+          </a:xfrm>
+          <a:prstGeom prst="rect">
+            <a:avLst/>
+          </a:prstGeom>
+        </p:spPr>
+        <p:txBody>
+          <a:bodyPr vert="horz" lIns="91440" tIns="45720" rIns="91440" bIns="45720" rtlCol="0" anchor="b"/>
+          <a:lstStyle>
+            <a:lvl1pPr algn="l">
+              <a:defRPr sz="1200"/>
+            </a:lvl1pPr>
+          </a:lstStyle>
+          <a:p>
+            <a:endParaRPr lang="en-US"/>
+          </a:p>
+        </p:txBody>
+      </p:sp>
+      <p:sp>
+        <p:nvSpPr>
+          <p:cNvPr id="5" name="Slide Number Placeholder 4"/>
+          <p:cNvSpPr>
+            <a:spLocks noGrp="1"/>
+          </p:cNvSpPr>
+          <p:nvPr>
+            <p:ph type="sldNum" sz="quarter" idx="3"/>
+          </p:nvPr>
+        </p:nvSpPr>
+        <p:spPr>
+          <a:xfrm>
+            <a:off x="3884613" y="8685213"/>
+            <a:ext cx="2971800" cy="457200"/>
+          </a:xfrm>
+          <a:prstGeom prst="rect">
+            <a:avLst/>
+          </a:prstGeom>
+        </p:spPr>
+        <p:txBody>
+          <a:bodyPr vert="horz" lIns="91440" tIns="45720" rIns="91440" bIns="45720" rtlCol="0" anchor="b"/>
+          <a:lstStyle>
+            <a:lvl1pPr algn="r">
+              <a:defRPr sz="1200"/>
+            </a:lvl1pPr>
+          </a:lstStyle>
+          <a:p>
+            <a:fld id="{6D5F1452-6A74-D441-9744-0705E0A8252A}" type="slidenum">
+              <a:rPr lang="en-US" smtClean="0"/>
+              <a:pPr/>
+              <a:t>‹#›</a:t>
+            </a:fld>
+            <a:endParaRPr lang="en-US"/>
+          </a:p>
+        </p:txBody>
+      </p:sp>
+    </p:spTree>
+  </p:cSld>
+  <p:clrMap bg1="lt1" tx1="dk1" bg2="lt2" tx2="dk2" accent1="accent1" accent2="accent2" accent3="accent3" accent4="accent4" accent5="accent5" accent6="accent6" hlink="hlink" folHlink="folHlink"/>
+  <p:hf hdr="0" ftr="0" dt="0"/>
+</p:handoutMaster>
+</file>
+
 <file path=ppt/notesMasters/notesMaster1.xml><?xml version="1.0" encoding="utf-8"?>
 <p:notesMaster xmlns:a="http://schemas.openxmlformats.org/drawingml/2006/main" xmlns:r="http://schemas.openxmlformats.org/officeDocument/2006/relationships" xmlns:mc="http://schemas.openxmlformats.org/markup-compatibility/2006" xmlns:mv="urn:schemas-microsoft-com:mac:vml" xmlns:p="http://schemas.openxmlformats.org/presentationml/2006/main" mc:Ignorable="mv" mc:PreserveAttributes="mv:*">
   <p:cSld>
@@ -192,7 +358,8 @@
           <a:p>
             <a:fld id="{FEDE8544-F9F0-014F-8DD2-C36FB0A5D7B1}" type="datetimeFigureOut">
               <a:rPr lang="en-US" smtClean="0"/>
-              <a:t>11/12/10</a:t>
+              <a:pPr/>
+              <a:t>11/13/10</a:t>
             </a:fld>
             <a:endParaRPr lang="en-US"/>
           </a:p>
@@ -353,6 +520,7 @@
           <a:p>
             <a:fld id="{6A9A280A-133E-BF4E-BA7F-1E7D68FAF118}" type="slidenum">
               <a:rPr lang="en-US" smtClean="0"/>
+              <a:pPr/>
               <a:t>‹#›</a:t>
             </a:fld>
             <a:endParaRPr lang="en-US"/>
@@ -362,6 +530,7 @@
     </p:spTree>
   </p:cSld>
   <p:clrMap bg1="lt1" tx1="dk1" bg2="lt2" tx2="dk2" accent1="accent1" accent2="accent2" accent3="accent3" accent4="accent4" accent5="accent5" accent6="accent6" hlink="hlink" folHlink="folHlink"/>
+  <p:hf hdr="0" ftr="0" dt="0"/>
   <p:notesStyle>
     <a:lvl1pPr marL="0" algn="l" defTabSz="457200" rtl="0" eaLnBrk="1" latinLnBrk="0" hangingPunct="1">
       <a:defRPr sz="1200" kern="1200">
@@ -769,9 +938,10 @@
           <a:bodyPr/>
           <a:lstStyle/>
           <a:p>
-            <a:fld id="{B908E611-378B-E842-A5F4-E837037AAB84}" type="datetimeFigureOut">
-              <a:rPr lang="en-US" smtClean="0"/>
-              <a:t>11/12/10</a:t>
+            <a:fld id="{329890C1-8473-D44D-8F58-774559F0DB8F}" type="datetime1">
+              <a:rPr lang="en-US" smtClean="0"/>
+              <a:pPr/>
+              <a:t>11/13/10</a:t>
             </a:fld>
             <a:endParaRPr lang="en-US"/>
           </a:p>
@@ -813,6 +983,7 @@
           <a:p>
             <a:fld id="{5F21E2B4-D10F-9149-8E8E-3CC15E512268}" type="slidenum">
               <a:rPr lang="en-US" smtClean="0"/>
+              <a:pPr/>
               <a:t>‹#›</a:t>
             </a:fld>
             <a:endParaRPr lang="en-US"/>
@@ -934,9 +1105,10 @@
           <a:bodyPr/>
           <a:lstStyle/>
           <a:p>
-            <a:fld id="{B908E611-378B-E842-A5F4-E837037AAB84}" type="datetimeFigureOut">
-              <a:rPr lang="en-US" smtClean="0"/>
-              <a:t>11/12/10</a:t>
+            <a:fld id="{F71E7911-6356-614D-9452-EBC0E7D34F88}" type="datetime1">
+              <a:rPr lang="en-US" smtClean="0"/>
+              <a:pPr/>
+              <a:t>11/13/10</a:t>
             </a:fld>
             <a:endParaRPr lang="en-US"/>
           </a:p>
@@ -978,6 +1150,7 @@
           <a:p>
             <a:fld id="{5F21E2B4-D10F-9149-8E8E-3CC15E512268}" type="slidenum">
               <a:rPr lang="en-US" smtClean="0"/>
+              <a:pPr/>
               <a:t>‹#›</a:t>
             </a:fld>
             <a:endParaRPr lang="en-US"/>
@@ -1109,9 +1282,10 @@
           <a:bodyPr/>
           <a:lstStyle/>
           <a:p>
-            <a:fld id="{B908E611-378B-E842-A5F4-E837037AAB84}" type="datetimeFigureOut">
-              <a:rPr lang="en-US" smtClean="0"/>
-              <a:t>11/12/10</a:t>
+            <a:fld id="{D1BE9E69-D407-3645-9451-5902174082FE}" type="datetime1">
+              <a:rPr lang="en-US" smtClean="0"/>
+              <a:pPr/>
+              <a:t>11/13/10</a:t>
             </a:fld>
             <a:endParaRPr lang="en-US"/>
           </a:p>
@@ -1153,6 +1327,7 @@
           <a:p>
             <a:fld id="{5F21E2B4-D10F-9149-8E8E-3CC15E512268}" type="slidenum">
               <a:rPr lang="en-US" smtClean="0"/>
+              <a:pPr/>
               <a:t>‹#›</a:t>
             </a:fld>
             <a:endParaRPr lang="en-US"/>
@@ -1274,9 +1449,10 @@
           <a:bodyPr/>
           <a:lstStyle/>
           <a:p>
-            <a:fld id="{B908E611-378B-E842-A5F4-E837037AAB84}" type="datetimeFigureOut">
-              <a:rPr lang="en-US" smtClean="0"/>
-              <a:t>11/12/10</a:t>
+            <a:fld id="{CAFA6E99-BAB6-BA41-9CAD-C81A7C1BA9EF}" type="datetime1">
+              <a:rPr lang="en-US" smtClean="0"/>
+              <a:pPr/>
+              <a:t>11/13/10</a:t>
             </a:fld>
             <a:endParaRPr lang="en-US"/>
           </a:p>
@@ -1318,6 +1494,7 @@
           <a:p>
             <a:fld id="{5F21E2B4-D10F-9149-8E8E-3CC15E512268}" type="slidenum">
               <a:rPr lang="en-US" smtClean="0"/>
+              <a:pPr/>
               <a:t>‹#›</a:t>
             </a:fld>
             <a:endParaRPr lang="en-US"/>
@@ -1515,9 +1692,10 @@
           <a:bodyPr/>
           <a:lstStyle/>
           <a:p>
-            <a:fld id="{B908E611-378B-E842-A5F4-E837037AAB84}" type="datetimeFigureOut">
-              <a:rPr lang="en-US" smtClean="0"/>
-              <a:t>11/12/10</a:t>
+            <a:fld id="{8D0B0A3E-3D88-3A4C-BA3B-E79DD2FBA8C0}" type="datetime1">
+              <a:rPr lang="en-US" smtClean="0"/>
+              <a:pPr/>
+              <a:t>11/13/10</a:t>
             </a:fld>
             <a:endParaRPr lang="en-US"/>
           </a:p>
@@ -1559,6 +1737,7 @@
           <a:p>
             <a:fld id="{5F21E2B4-D10F-9149-8E8E-3CC15E512268}" type="slidenum">
               <a:rPr lang="en-US" smtClean="0"/>
+              <a:pPr/>
               <a:t>‹#›</a:t>
             </a:fld>
             <a:endParaRPr lang="en-US"/>
@@ -1798,9 +1977,10 @@
           <a:bodyPr/>
           <a:lstStyle/>
           <a:p>
-            <a:fld id="{B908E611-378B-E842-A5F4-E837037AAB84}" type="datetimeFigureOut">
-              <a:rPr lang="en-US" smtClean="0"/>
-              <a:t>11/12/10</a:t>
+            <a:fld id="{F31CA186-E2B1-CC42-9AAA-F90D07E84007}" type="datetime1">
+              <a:rPr lang="en-US" smtClean="0"/>
+              <a:pPr/>
+              <a:t>11/13/10</a:t>
             </a:fld>
             <a:endParaRPr lang="en-US"/>
           </a:p>
@@ -1842,6 +2022,7 @@
           <a:p>
             <a:fld id="{5F21E2B4-D10F-9149-8E8E-3CC15E512268}" type="slidenum">
               <a:rPr lang="en-US" smtClean="0"/>
+              <a:pPr/>
               <a:t>‹#›</a:t>
             </a:fld>
             <a:endParaRPr lang="en-US"/>
@@ -2215,9 +2396,10 @@
           <a:bodyPr/>
           <a:lstStyle/>
           <a:p>
-            <a:fld id="{B908E611-378B-E842-A5F4-E837037AAB84}" type="datetimeFigureOut">
-              <a:rPr lang="en-US" smtClean="0"/>
-              <a:t>11/12/10</a:t>
+            <a:fld id="{616C36F3-CA49-7641-A7C0-5E4CD89986A2}" type="datetime1">
+              <a:rPr lang="en-US" smtClean="0"/>
+              <a:pPr/>
+              <a:t>11/13/10</a:t>
             </a:fld>
             <a:endParaRPr lang="en-US"/>
           </a:p>
@@ -2259,6 +2441,7 @@
           <a:p>
             <a:fld id="{5F21E2B4-D10F-9149-8E8E-3CC15E512268}" type="slidenum">
               <a:rPr lang="en-US" smtClean="0"/>
+              <a:pPr/>
               <a:t>‹#›</a:t>
             </a:fld>
             <a:endParaRPr lang="en-US"/>
@@ -2328,9 +2511,10 @@
           <a:bodyPr/>
           <a:lstStyle/>
           <a:p>
-            <a:fld id="{B908E611-378B-E842-A5F4-E837037AAB84}" type="datetimeFigureOut">
-              <a:rPr lang="en-US" smtClean="0"/>
-              <a:t>11/12/10</a:t>
+            <a:fld id="{2E2075A3-BB6D-AC46-A6C5-76D299010E33}" type="datetime1">
+              <a:rPr lang="en-US" smtClean="0"/>
+              <a:pPr/>
+              <a:t>11/13/10</a:t>
             </a:fld>
             <a:endParaRPr lang="en-US"/>
           </a:p>
@@ -2372,6 +2556,7 @@
           <a:p>
             <a:fld id="{5F21E2B4-D10F-9149-8E8E-3CC15E512268}" type="slidenum">
               <a:rPr lang="en-US" smtClean="0"/>
+              <a:pPr/>
               <a:t>‹#›</a:t>
             </a:fld>
             <a:endParaRPr lang="en-US"/>
@@ -2418,9 +2603,10 @@
           <a:bodyPr/>
           <a:lstStyle/>
           <a:p>
-            <a:fld id="{B908E611-378B-E842-A5F4-E837037AAB84}" type="datetimeFigureOut">
-              <a:rPr lang="en-US" smtClean="0"/>
-              <a:t>11/12/10</a:t>
+            <a:fld id="{9319D762-E2B3-574D-A07B-1765D31484C9}" type="datetime1">
+              <a:rPr lang="en-US" smtClean="0"/>
+              <a:pPr/>
+              <a:t>11/13/10</a:t>
             </a:fld>
             <a:endParaRPr lang="en-US"/>
           </a:p>
@@ -2462,6 +2648,7 @@
           <a:p>
             <a:fld id="{5F21E2B4-D10F-9149-8E8E-3CC15E512268}" type="slidenum">
               <a:rPr lang="en-US" smtClean="0"/>
+              <a:pPr/>
               <a:t>‹#›</a:t>
             </a:fld>
             <a:endParaRPr lang="en-US"/>
@@ -2690,9 +2877,10 @@
           <a:bodyPr/>
           <a:lstStyle/>
           <a:p>
-            <a:fld id="{B908E611-378B-E842-A5F4-E837037AAB84}" type="datetimeFigureOut">
-              <a:rPr lang="en-US" smtClean="0"/>
-              <a:t>11/12/10</a:t>
+            <a:fld id="{52E3D0CE-D7C1-2240-B12F-3B8546A22F00}" type="datetime1">
+              <a:rPr lang="en-US" smtClean="0"/>
+              <a:pPr/>
+              <a:t>11/13/10</a:t>
             </a:fld>
             <a:endParaRPr lang="en-US"/>
           </a:p>
@@ -2734,6 +2922,7 @@
           <a:p>
             <a:fld id="{5F21E2B4-D10F-9149-8E8E-3CC15E512268}" type="slidenum">
               <a:rPr lang="en-US" smtClean="0"/>
+              <a:pPr/>
               <a:t>‹#›</a:t>
             </a:fld>
             <a:endParaRPr lang="en-US"/>
@@ -2938,9 +3127,10 @@
           <a:bodyPr/>
           <a:lstStyle/>
           <a:p>
-            <a:fld id="{B908E611-378B-E842-A5F4-E837037AAB84}" type="datetimeFigureOut">
-              <a:rPr lang="en-US" smtClean="0"/>
-              <a:t>11/12/10</a:t>
+            <a:fld id="{91A34936-6C4D-674F-82C3-E1055B8B1492}" type="datetime1">
+              <a:rPr lang="en-US" smtClean="0"/>
+              <a:pPr/>
+              <a:t>11/13/10</a:t>
             </a:fld>
             <a:endParaRPr lang="en-US"/>
           </a:p>
@@ -2982,6 +3172,7 @@
           <a:p>
             <a:fld id="{5F21E2B4-D10F-9149-8E8E-3CC15E512268}" type="slidenum">
               <a:rPr lang="en-US" smtClean="0"/>
+              <a:pPr/>
               <a:t>‹#›</a:t>
             </a:fld>
             <a:endParaRPr lang="en-US"/>
@@ -3146,9 +3337,10 @@
             </a:lvl1pPr>
           </a:lstStyle>
           <a:p>
-            <a:fld id="{B908E611-378B-E842-A5F4-E837037AAB84}" type="datetimeFigureOut">
-              <a:rPr lang="en-US" smtClean="0"/>
-              <a:t>11/12/10</a:t>
+            <a:fld id="{34009517-0C28-D44E-97A2-33C959F8DB95}" type="datetime1">
+              <a:rPr lang="en-US" smtClean="0"/>
+              <a:pPr/>
+              <a:t>11/13/10</a:t>
             </a:fld>
             <a:endParaRPr lang="en-US"/>
           </a:p>
@@ -3187,7 +3379,7 @@
             </a:lvl1pPr>
           </a:lstStyle>
           <a:p>
-            <a:endParaRPr lang="en-US"/>
+            <a:endParaRPr lang="en-US" dirty="0"/>
           </a:p>
         </p:txBody>
       </p:sp>
@@ -3226,6 +3418,7 @@
           <a:p>
             <a:fld id="{5F21E2B4-D10F-9149-8E8E-3CC15E512268}" type="slidenum">
               <a:rPr lang="en-US" smtClean="0"/>
+              <a:pPr/>
               <a:t>‹#›</a:t>
             </a:fld>
             <a:endParaRPr lang="en-US"/>
@@ -3248,6 +3441,7 @@
     <p:sldLayoutId r:id="rId10"/>
     <p:sldLayoutId r:id="rId11"/>
   </p:sldLayoutIdLst>
+  <p:hf sldNum="0" hdr="0" dt="0"/>
   <p:txStyles>
     <p:titleStyle>
       <a:lvl1pPr algn="ctr" defTabSz="457200" rtl="0" eaLnBrk="1" latinLnBrk="0" hangingPunct="1">
@@ -3885,9 +4079,16 @@
           <a:p>
             <a:r>
               <a:rPr lang="en-US" sz="4000" dirty="0" smtClean="0"/>
-              <a:t>ASF Soap Adapter</a:t>
-            </a:r>
-            <a:endParaRPr lang="en-US" sz="4000" dirty="0" smtClean="0"/>
+              <a:t>ASF </a:t>
+            </a:r>
+            <a:r>
+              <a:rPr lang="en-US" sz="4000" dirty="0" smtClean="0"/>
+              <a:t>SOAP </a:t>
+            </a:r>
+            <a:r>
+              <a:rPr lang="en-US" sz="4000" dirty="0" smtClean="0"/>
+              <a:t>Adapter</a:t>
+            </a:r>
           </a:p>
         </p:txBody>
       </p:sp>
@@ -3960,15 +4161,6 @@
               </a:rPr>
               <a:t>(Reference app)</a:t>
             </a:r>
-            <a:endParaRPr lang="en-US" sz="1200" dirty="0" smtClean="0">
-              <a:solidFill>
-                <a:srgbClr val="000000"/>
-              </a:solidFill>
-              <a:latin typeface="Calibri" charset="0"/>
-              <a:ea typeface="ヒラギノ角ゴ ProN W3" charset="-128"/>
-              <a:cs typeface="ヒラギノ角ゴ ProN W3" charset="-128"/>
-              <a:sym typeface="Arial" charset="0"/>
-            </a:endParaRPr>
           </a:p>
           <a:p>
             <a:pPr algn="ctr" defTabSz="641350"/>
@@ -4642,7 +4834,7 @@
               <a:rPr lang="en-US" sz="1400" dirty="0">
                 <a:latin typeface="Calibri" charset="0"/>
               </a:rPr>
-              <a:t>Connected using</a:t>
+              <a:t>Connected</a:t>
             </a:r>
             <a:r>
               <a:rPr lang="en-US" sz="1400" dirty="0" smtClean="0">
@@ -4654,7 +4846,19 @@
               <a:rPr lang="en-US" sz="1400" dirty="0">
                 <a:latin typeface="Calibri" charset="0"/>
               </a:rPr>
-              <a:t>SOAP Interface, to be update with REST API</a:t>
+              <a:t>SOAP Interface, to be </a:t>
+            </a:r>
+            <a:r>
+              <a:rPr lang="en-US" sz="1400" dirty="0" smtClean="0">
+                <a:latin typeface="Calibri" charset="0"/>
+              </a:rPr>
+              <a:t>updated </a:t>
+            </a:r>
+            <a:r>
+              <a:rPr lang="en-US" sz="1400" dirty="0">
+                <a:latin typeface="Calibri" charset="0"/>
+              </a:rPr>
+              <a:t>with REST API</a:t>
             </a:r>
           </a:p>
         </p:txBody>
@@ -5262,6 +5466,29 @@
                 <a:hlinkClick r:id="rId18"/>
               </a:rPr>
               <a:t>RubyGems</a:t>
+            </a:r>
+            <a:endParaRPr lang="en-US" dirty="0"/>
+          </a:p>
+        </p:txBody>
+      </p:sp>
+      <p:sp>
+        <p:nvSpPr>
+          <p:cNvPr id="47" name="Footer Placeholder 46"/>
+          <p:cNvSpPr>
+            <a:spLocks noGrp="1"/>
+          </p:cNvSpPr>
+          <p:nvPr>
+            <p:ph type="ftr" sz="quarter" idx="11"/>
+          </p:nvPr>
+        </p:nvSpPr>
+        <p:spPr/>
+        <p:txBody>
+          <a:bodyPr/>
+          <a:lstStyle/>
+          <a:p>
+            <a:r>
+              <a:rPr lang="en-US" dirty="0" smtClean="0"/>
+              <a:t>Copyright 2010 – Raymond Gao</a:t>
             </a:r>
             <a:endParaRPr lang="en-US" dirty="0"/>
           </a:p>
@@ -5917,4 +6144,322 @@
   </a:objectDefaults>
   <a:extraClrSchemeLst/>
 </a:theme>
+</file>
+
+<file path=ppt/theme/theme3.xml><?xml version="1.0" encoding="utf-8"?>
+<a:theme xmlns:a="http://schemas.openxmlformats.org/drawingml/2006/main" name="Office Theme">
+  <a:themeElements>
+    <a:clrScheme name="Office">
+      <a:dk1>
+        <a:sysClr val="windowText" lastClr="000000"/>
+      </a:dk1>
+      <a:lt1>
+        <a:sysClr val="window" lastClr="FFFFFF"/>
+      </a:lt1>
+      <a:dk2>
+        <a:srgbClr val="1F497D"/>
+      </a:dk2>
+      <a:lt2>
+        <a:srgbClr val="EEECE1"/>
+      </a:lt2>
+      <a:accent1>
+        <a:srgbClr val="4F81BD"/>
+      </a:accent1>
+      <a:accent2>
+        <a:srgbClr val="C0504D"/>
+      </a:accent2>
+      <a:accent3>
+        <a:srgbClr val="9BBB59"/>
+      </a:accent3>
+      <a:accent4>
+        <a:srgbClr val="8064A2"/>
+      </a:accent4>
+      <a:accent5>
+        <a:srgbClr val="4BACC6"/>
+      </a:accent5>
+      <a:accent6>
+        <a:srgbClr val="F79646"/>
+      </a:accent6>
+      <a:hlink>
+        <a:srgbClr val="0000FF"/>
+      </a:hlink>
+      <a:folHlink>
+        <a:srgbClr val="800080"/>
+      </a:folHlink>
+    </a:clrScheme>
+    <a:fontScheme name="Office">
+      <a:majorFont>
+        <a:latin typeface="Calibri"/>
+        <a:ea typeface=""/>
+        <a:cs typeface=""/>
+        <a:font script="Jpan" typeface="ＭＳ Ｐゴシック"/>
+        <a:font script="Hang" typeface="맑은 고딕"/>
+        <a:font script="Hans" typeface="宋体"/>
+        <a:font script="Hant" typeface="新細明體"/>
+        <a:font script="Arab" typeface="Times New Roman"/>
+        <a:font script="Hebr" typeface="Times New Roman"/>
+        <a:font script="Thai" typeface="Angsana New"/>
+        <a:font script="Ethi" typeface="Nyala"/>
+        <a:font script="Beng" typeface="Vrinda"/>
+        <a:font script="Gujr" typeface="Shruti"/>
+        <a:font script="Khmr" typeface="MoolBoran"/>
+        <a:font script="Knda" typeface="Tunga"/>
+        <a:font script="Guru" typeface="Raavi"/>
+        <a:font script="Cans" typeface="Euphemia"/>
+        <a:font script="Cher" typeface="Plantagenet Cherokee"/>
+        <a:font script="Yiii" typeface="Microsoft Yi Baiti"/>
+        <a:font script="Tibt" typeface="Microsoft Himalaya"/>
+        <a:font script="Thaa" typeface="MV Boli"/>
+        <a:font script="Deva" typeface="Mangal"/>
+        <a:font script="Telu" typeface="Gautami"/>
+        <a:font script="Taml" typeface="Latha"/>
+        <a:font script="Syrc" typeface="Estrangelo Edessa"/>
+        <a:font script="Orya" typeface="Kalinga"/>
+        <a:font script="Mlym" typeface="Kartika"/>
+        <a:font script="Laoo" typeface="DokChampa"/>
+        <a:font script="Sinh" typeface="Iskoola Pota"/>
+        <a:font script="Mong" typeface="Mongolian Baiti"/>
+        <a:font script="Viet" typeface="Times New Roman"/>
+        <a:font script="Uigh" typeface="Microsoft Uighur"/>
+      </a:majorFont>
+      <a:minorFont>
+        <a:latin typeface="Calibri"/>
+        <a:ea typeface=""/>
+        <a:cs typeface=""/>
+        <a:font script="Jpan" typeface="ＭＳ Ｐゴシック"/>
+        <a:font script="Hang" typeface="맑은 고딕"/>
+        <a:font script="Hans" typeface="宋体"/>
+        <a:font script="Hant" typeface="新細明體"/>
+        <a:font script="Arab" typeface="Arial"/>
+        <a:font script="Hebr" typeface="Arial"/>
+        <a:font script="Thai" typeface="Cordia New"/>
+        <a:font script="Ethi" typeface="Nyala"/>
+        <a:font script="Beng" typeface="Vrinda"/>
+        <a:font script="Gujr" typeface="Shruti"/>
+        <a:font script="Khmr" typeface="DaunPenh"/>
+        <a:font script="Knda" typeface="Tunga"/>
+        <a:font script="Guru" typeface="Raavi"/>
+        <a:font script="Cans" typeface="Euphemia"/>
+        <a:font script="Cher" typeface="Plantagenet Cherokee"/>
+        <a:font script="Yiii" typeface="Microsoft Yi Baiti"/>
+        <a:font script="Tibt" typeface="Microsoft Himalaya"/>
+        <a:font script="Thaa" typeface="MV Boli"/>
+        <a:font script="Deva" typeface="Mangal"/>
+        <a:font script="Telu" typeface="Gautami"/>
+        <a:font script="Taml" typeface="Latha"/>
+        <a:font script="Syrc" typeface="Estrangelo Edessa"/>
+        <a:font script="Orya" typeface="Kalinga"/>
+        <a:font script="Mlym" typeface="Kartika"/>
+        <a:font script="Laoo" typeface="DokChampa"/>
+        <a:font script="Sinh" typeface="Iskoola Pota"/>
+        <a:font script="Mong" typeface="Mongolian Baiti"/>
+        <a:font script="Viet" typeface="Arial"/>
+        <a:font script="Uigh" typeface="Microsoft Uighur"/>
+      </a:minorFont>
+    </a:fontScheme>
+    <a:fmtScheme name="Office">
+      <a:fillStyleLst>
+        <a:solidFill>
+          <a:schemeClr val="phClr"/>
+        </a:solidFill>
+        <a:gradFill rotWithShape="1">
+          <a:gsLst>
+            <a:gs pos="0">
+              <a:schemeClr val="phClr">
+                <a:tint val="50000"/>
+                <a:satMod val="300000"/>
+              </a:schemeClr>
+            </a:gs>
+            <a:gs pos="35000">
+              <a:schemeClr val="phClr">
+                <a:tint val="37000"/>
+                <a:satMod val="300000"/>
+              </a:schemeClr>
+            </a:gs>
+            <a:gs pos="100000">
+              <a:schemeClr val="phClr">
+                <a:tint val="15000"/>
+                <a:satMod val="350000"/>
+              </a:schemeClr>
+            </a:gs>
+          </a:gsLst>
+          <a:lin ang="16200000" scaled="1"/>
+        </a:gradFill>
+        <a:gradFill rotWithShape="1">
+          <a:gsLst>
+            <a:gs pos="0">
+              <a:schemeClr val="phClr">
+                <a:tint val="100000"/>
+                <a:shade val="100000"/>
+                <a:satMod val="130000"/>
+              </a:schemeClr>
+            </a:gs>
+            <a:gs pos="100000">
+              <a:schemeClr val="phClr">
+                <a:tint val="50000"/>
+                <a:shade val="100000"/>
+                <a:satMod val="350000"/>
+              </a:schemeClr>
+            </a:gs>
+          </a:gsLst>
+          <a:lin ang="16200000" scaled="0"/>
+        </a:gradFill>
+      </a:fillStyleLst>
+      <a:lnStyleLst>
+        <a:ln w="9525" cap="flat" cmpd="sng" algn="ctr">
+          <a:solidFill>
+            <a:schemeClr val="phClr">
+              <a:shade val="95000"/>
+              <a:satMod val="105000"/>
+            </a:schemeClr>
+          </a:solidFill>
+          <a:prstDash val="solid"/>
+        </a:ln>
+        <a:ln w="25400" cap="flat" cmpd="sng" algn="ctr">
+          <a:solidFill>
+            <a:schemeClr val="phClr"/>
+          </a:solidFill>
+          <a:prstDash val="solid"/>
+        </a:ln>
+        <a:ln w="38100" cap="flat" cmpd="sng" algn="ctr">
+          <a:solidFill>
+            <a:schemeClr val="phClr"/>
+          </a:solidFill>
+          <a:prstDash val="solid"/>
+        </a:ln>
+      </a:lnStyleLst>
+      <a:effectStyleLst>
+        <a:effectStyle>
+          <a:effectLst>
+            <a:outerShdw blurRad="40000" dist="20000" dir="5400000" rotWithShape="0">
+              <a:srgbClr val="000000">
+                <a:alpha val="38000"/>
+              </a:srgbClr>
+            </a:outerShdw>
+          </a:effectLst>
+        </a:effectStyle>
+        <a:effectStyle>
+          <a:effectLst>
+            <a:outerShdw blurRad="40000" dist="23000" dir="5400000" rotWithShape="0">
+              <a:srgbClr val="000000">
+                <a:alpha val="35000"/>
+              </a:srgbClr>
+            </a:outerShdw>
+          </a:effectLst>
+        </a:effectStyle>
+        <a:effectStyle>
+          <a:effectLst>
+            <a:outerShdw blurRad="40000" dist="23000" dir="5400000" rotWithShape="0">
+              <a:srgbClr val="000000">
+                <a:alpha val="35000"/>
+              </a:srgbClr>
+            </a:outerShdw>
+          </a:effectLst>
+          <a:scene3d>
+            <a:camera prst="orthographicFront">
+              <a:rot lat="0" lon="0" rev="0"/>
+            </a:camera>
+            <a:lightRig rig="threePt" dir="t">
+              <a:rot lat="0" lon="0" rev="1200000"/>
+            </a:lightRig>
+          </a:scene3d>
+          <a:sp3d>
+            <a:bevelT w="63500" h="25400"/>
+          </a:sp3d>
+        </a:effectStyle>
+      </a:effectStyleLst>
+      <a:bgFillStyleLst>
+        <a:solidFill>
+          <a:schemeClr val="phClr"/>
+        </a:solidFill>
+        <a:gradFill rotWithShape="1">
+          <a:gsLst>
+            <a:gs pos="0">
+              <a:schemeClr val="phClr">
+                <a:tint val="40000"/>
+                <a:satMod val="350000"/>
+              </a:schemeClr>
+            </a:gs>
+            <a:gs pos="40000">
+              <a:schemeClr val="phClr">
+                <a:tint val="45000"/>
+                <a:shade val="99000"/>
+                <a:satMod val="350000"/>
+              </a:schemeClr>
+            </a:gs>
+            <a:gs pos="100000">
+              <a:schemeClr val="phClr">
+                <a:shade val="20000"/>
+                <a:satMod val="255000"/>
+              </a:schemeClr>
+            </a:gs>
+          </a:gsLst>
+          <a:path path="circle">
+            <a:fillToRect l="50000" t="-80000" r="50000" b="180000"/>
+          </a:path>
+        </a:gradFill>
+        <a:gradFill rotWithShape="1">
+          <a:gsLst>
+            <a:gs pos="0">
+              <a:schemeClr val="phClr">
+                <a:tint val="80000"/>
+                <a:satMod val="300000"/>
+              </a:schemeClr>
+            </a:gs>
+            <a:gs pos="100000">
+              <a:schemeClr val="phClr">
+                <a:shade val="30000"/>
+                <a:satMod val="200000"/>
+              </a:schemeClr>
+            </a:gs>
+          </a:gsLst>
+          <a:path path="circle">
+            <a:fillToRect l="50000" t="50000" r="50000" b="50000"/>
+          </a:path>
+        </a:gradFill>
+      </a:bgFillStyleLst>
+    </a:fmtScheme>
+  </a:themeElements>
+  <a:objectDefaults>
+    <a:spDef>
+      <a:spPr/>
+      <a:bodyPr/>
+      <a:lstStyle/>
+      <a:style>
+        <a:lnRef idx="1">
+          <a:schemeClr val="accent1"/>
+        </a:lnRef>
+        <a:fillRef idx="3">
+          <a:schemeClr val="accent1"/>
+        </a:fillRef>
+        <a:effectRef idx="2">
+          <a:schemeClr val="accent1"/>
+        </a:effectRef>
+        <a:fontRef idx="minor">
+          <a:schemeClr val="lt1"/>
+        </a:fontRef>
+      </a:style>
+    </a:spDef>
+    <a:lnDef>
+      <a:spPr/>
+      <a:bodyPr/>
+      <a:lstStyle/>
+      <a:style>
+        <a:lnRef idx="2">
+          <a:schemeClr val="accent1"/>
+        </a:lnRef>
+        <a:fillRef idx="0">
+          <a:schemeClr val="accent1"/>
+        </a:fillRef>
+        <a:effectRef idx="1">
+          <a:schemeClr val="accent1"/>
+        </a:effectRef>
+        <a:fontRef idx="minor">
+          <a:schemeClr val="tx1"/>
+        </a:fontRef>
+      </a:style>
+    </a:lnDef>
+  </a:objectDefaults>
+  <a:extraClrSchemeLst/>
+</a:theme>
 </file>